--- a/complete.pptx
+++ b/complete.pptx
@@ -289,6 +289,118 @@
 </inkml:ink>
 </file>
 
+<file path=ppt/ink/ink5.xml><?xml version="1.0" encoding="utf-8"?>
+<inkml:ink xmlns:inkml="http://www.w3.org/2003/InkML">
+  <inkml:definitions>
+    <inkml:context xml:id="ctx0">
+      <inkml:inkSource xml:id="inkSrc0">
+        <inkml:traceFormat>
+          <inkml:channel name="X" type="integer" min="-2.14748E9" max="2.14748E9" units="cm"/>
+          <inkml:channel name="Y" type="integer" min="-2.14748E9" max="2.14748E9" units="cm"/>
+          <inkml:channel name="F" type="integer" max="32767" units="dev"/>
+        </inkml:traceFormat>
+        <inkml:channelProperties>
+          <inkml:channelProperty channel="X" name="resolution" value="1000" units="1/cm"/>
+          <inkml:channelProperty channel="Y" name="resolution" value="1000" units="1/cm"/>
+          <inkml:channelProperty channel="F" name="resolution" value="0" units="1/dev"/>
+        </inkml:channelProperties>
+      </inkml:inkSource>
+      <inkml:timestamp xml:id="ts0" timeString="2023-06-26T21:28:12.937"/>
+    </inkml:context>
+    <inkml:brush xml:id="br0">
+      <inkml:brushProperty name="width" value="0.05" units="cm"/>
+      <inkml:brushProperty name="height" value="0.05" units="cm"/>
+      <inkml:brushProperty name="color" value="#F6630D"/>
+    </inkml:brush>
+  </inkml:definitions>
+  <inkml:trace contextRef="#ctx0" brushRef="#br0">314 265 24575,'33'6'0,"24"-2"0,-2-3 0,12-2-3171,22 1 0,13 0 0,3 0 3171,-27 0 0,0 0 0,4 0 0,6 0-512,-5 0 1,7 0-1,4 0 1,1 0-1,1 0 1,-2 0 511,-2 0 0,-1 0 0,1 0 0,0 0 0,2 0 0,2 0-171,-2 0 0,4 0 0,1 0 1,0 0-1,0 0 0,-2 0 0,-3 0 171,1 0 0,-5 0 0,-1 0 0,1 0 0,1 0 0,4 0-278,-8 0 1,3 0-1,2 0 1,1 0-1,0 0 1,0 0 0,-3 0-1,-2 0 278,12 0 0,-4 0 0,-2 0 0,1 0 0,2 0 0,4 0-49,-7 0 1,3 0 0,3 0 0,1 0 0,1 0 0,-1 0-1,0 0 1,-3 0 48,-6 0 0,-2 0 0,0 0 0,0 0 0,-1 0 0,1 0 0,-1 0 0,0 0 0,0 0 0,0 0 0,1 0 0,-1 0 0,0 0 0,-1 0 0,0 0 0,-2 0 0,5 0 0,-1 0 0,0 0 0,-2 0 0,0 0 0,0 0 0,0 0 0,13 0 0,1 0 0,-1 0 0,-1 0 0,-4 0 0,-4 0 0,12 0 0,-6 0 0,-2 0 0,4 0 0,-5 0 0,4 0 0,1 0 0,-3 0 0,-8 0 0,-10 0 0,-6 0 0,0 0 0,3 0 122,20 0 0,5 0 0,0 0 1,-3 0-123,-12 0 0,-3 0 0,-1 0 0,-1 0 293,19 0 0,-3 0 0,-1 0-293,-5 0 0,-1 0 0,0 0 0,-5 0 0,0 0 0,-2 0 438,-7 0 0,-2 0 1,-1 0-439,0 0 0,0 0 0,-2 0 1097,22 0 1,-1 0-1098,1 0 0,0 0 0,0 1 0,0-2 0,1-3 0,-2-1 0,-5 0 0,-1-1 0,6-4 0,-1-1 0,-10 1 0,-3 1 1054,-10-1 1,-1 1-1055,7 0 0,0-1 0,1-4 0,0-1 0,-1 4 0,2 0 0,9-4 0,-2 1 0,-17 4 0,-4 1 0,2 0 0,0 0 0,6 4 0,1 0 0,0-4 0,1 1 0,6 6 0,0 2 0,-1-4 0,2-1 0,3 0 0,5 1 0,-5 3 0,6 1 0,-2-1 0,-13-2 0,0-1 0,2 1 181,19 3 0,5 0 0,-5 0-181,-19 0 0,-4 0 0,2 0 0,4 0 0,2 0 0,-1 0 0,1 0 0,1 0 0,-1 0 0,1 0 0,-1 0 0,1 0 0,3 0 0,1 0 0,-1 0 0,-4 0 0,0 0 0,1 0-171,9 0 1,2 0-1,0 0 171,-5 0 0,-1 0 0,2 0 0,8 0 0,1 0 0,0 0 0,-4 0 0,-1 0 0,1 0 0,-1 0 0,0 0 0,0 0 0,5 0 0,0 0 0,-1 0 0,-9 0 0,-1 0 0,1 0 0,4 0 0,1 0 0,-2 0-189,-8 0 1,-2 0-1,-1 0 189,1 0 0,0 0 0,-2 0 166,-8 0 0,-2 0 0,1 0-166,7 0 0,1 0 0,-4 0 0,12 4 0,-3 0 605,9-3 1,-4 1-606,-26 1 0,-3 2 0,5-1 0,1 0 0,3-3 0,-3 0 2676,29 7-2676,-32-8 0,-1 0 0,16 0 0,17 0 0,-2 0 0,-1 0 0,-7 0 0,8 0 0,-11 0 0,1 0 2683,-1 0-2683,-9 0 0,-18 0 0,-1 0 0,16 0 583,27 0-583,-35 0 0,0 0 1414,-1 0-1414,1 0 686,0 0-686,-1 0 181,1 0-181,0 0 0,9 0 0,-7 0 0,6 0 0,-8 0 0,0 6 0,-1-4 0,1 4 0,0 1 0,-9-5 0,33 11 0,-26-12 0,20 6 0,-21-1 0,-13 2 0,13 0 0,-13 4 0,5-11 0,1 12 0,-7-12 0,7 12 0,-9-12 0,0 11 0,1-4 0,-1-1 0,0 5 0,1-4 0,-8-1 0,23 11 0,-18-15 0,21 15 0,-26-11 0,5 6 0,-4 0 0,-1 0 0,6 0 0,-13 0 0,13 0 0,-13 0 0,6-1 0,-1 1 0,-5 0 0,6-1 0,-7 1 0,6-1 0,-5 1 0,17 5 0,-16-4 0,9 3 0,-12-4 0,1-1 0,-7 0 0,5 0 0,-4 0 0,0-1 0,4 2 0,-11-2 0,5 0 0,0 1 0,-4-1 0,4 1 0,-5 5 0,5-4 0,-4 4 0,4-5 0,-5 5 0,4 0 0,-3 8 0,3-8 0,-9 6 0,3-10 0,-9 10 0,9-5 0,-8 1 0,3 4 0,-5-4 0,0-1 0,0 5 0,0-4 0,0-1 0,0 5 0,0-4 0,0-1 0,0 6 0,-5 5 0,-2-2 0,-11 9 0,-1-12 0,-1 1 0,-10-6 0,9 5 0,-11-5 0,7 1 0,-6 4 0,-3-4 0,1 6 0,-6-5 0,5 3 0,-6-3 0,-1 6 0,1-6 0,-1-2 0,1-5 0,6-1 0,-15 5 0,-3-13 0,-1-1 0,-16 7 0,8-10 0,4-2 0,15 1 0,-15 0 0,6 0 0,-17 0 0,7-7 0,-16-1 0,6-1 0,-8-5 0,-1 5 0,1-7 0,-1 7 0,-10-5-465,8 12 465,-8-13-526,34 14 0,-1 0 526,-41-13 0,34 12 0,1 2 0,-20-8 0,29 4 0,-1 0 0,-31 2 0,30-6 0,-1 0 0,6 7 0,0 0-235,0-6 0,0-1 235,-41 6 0,4-12 0,-1 12 0,18-4 0,-17 6 0,18 0 0,-10 0 0,-16 0 0,12 0 0,-3 0 0,19 0 0,0 0 0,7 0 0,-7 0 429,9 0-429,0 0 1050,-9 0-1050,7 0 508,-7 0-508,0 0 0,6 0 0,-15 0 0,16 6 0,-16-4 0,6 4 0,11-5 0,-5-2 0,10 1 0,-2 0-436,-13 0 1,0 0 435,18 0 0,1 0 0,-12 0 0,2 0 0,-27 0 0,7 0 0,1 0 0,-2 0 0,10 0 0,-3 0 0,13 0 0,1 0-803,-5 0 0,-3 0 803,-14 0 0,0 0 0,17 0 0,1 0 0,-18 0 0,-1 0 0,11 0 0,-1 0 0,-17 0 0,-1 0 0,13 0 0,-1 0-1094,-11 0 1,-1 0 1093,6 0 0,-1 0 0,-4 0 0,-4 0 0,7 0 0,-4 0 0,3 0 0,19 0 0,3 0 0,-3 0-894,-24 0 0,-4 0 0,6 0 894,-5 0 0,4 0 0,27 0 0,-2 0 0,1 0-487,-2 0 1,-1 0 0,4 0 486,-12 0 0,2 0-193,-4 0 1,1 0 192,9 0 0,0 0 0,4 0 0,-3 0 0,-1 0 0,-4 0 0,5 0 0,2 0 0,1 0 0,-7 0 0,-5 0 0,11 0 1020,-18 0-1020,5 0 0,0 0 0,-6 0 0,30 0 0,-2 0 0,6 0 0,2 0 0,-43 0 0,43 0 0,0 0 0,-32 0 0,32 0 0,0 0 0,-32 0 0,32 0 0,0 0 0,-32 0 2280,-8 0-2280,11 0 0,-11-7 0,8 5 0,-8-6 0,20 1 0,-7 6 0,6-13 0,1 12 0,2-5 0,0 7 2553,7 0-2553,-17 0 0,26 0 0,-1 0 0,-36 0 0,31 0 0,1 0 0,-22 0 0,-1 0 0,1 0 0,8 0 0,-6 0 0,7 0 0,-1 0 0,-6 0 2165,16 0-2165,-7 0 0,0 0 0,-2 0 0,-10 0 0,0 0 0,1 0 0,17 0 0,-1 0 0,-28 0 55,23 0 0,0 0-55,-14 0 0,-7 0 0,9 0 0,1 0 112,-1 0-112,0 0 0,10 0 0,-7 0 0,7 0 0,-10 0 0,1 0 0,-1 0 0,0 0 0,1 0 0,-1 0 0,1 0 0,-1 0 0,28 0 0,-1 0 0,-33 0 0,-11 0 0,20 7 0,6-5 0,1 12 0,-7-13 0,16 6 0,-17 0 0,8-5 0,0 5 0,-8 0 0,17-6 0,-16 6 0,7 0 0,0-5 0,2 11 0,0-11 0,7 11 0,-7-5 0,16 0 0,1-1 0,-19 2 0,13-2 0,1 0 0,-14-6 0,-10 14 0,1-7 0,-1 1 0,1 5 0,-1-5 0,1 0 0,-1 5 0,1-5 0,0-1 0,-1 6-756,-10-4 756,38-2 0,1 1 0,-35 0 0,32-1 0,-1 0 0,1-3 0,1 0 0,-46 12 0,34-10 0,-8 0 0,5-1 0,5-1 0,1-1 0,-21 1 0,-2-1 0,8-3 0,7-2 0,-3 1 0,1 0 0,-2 0 0,-12 0-388,12 0 1,-3 0 387,20 0 0,2 0 0,-10 0 0,0 0 0,15 0 0,0 0 0,-14 0 0,-1 0-243,3 0 0,0 0 243,1 0 0,-1 0 0,1 0 0,2 0 0,-27 0 0,29 0 0,0 0 0,6 1 0,-1-2 0,-16-5 0,-2-3 0,14 5 0,1-3 0,-10-8 0,2-1 0,-27-2-222,20 2 222,2-4 695,9 17-695,8-17 1489,3 13-1489,7-7 744,1 7-744,-1 1 261,1 0-261,6 4 0,3-4 0,-1 6 0,6 0 0,-6 0 0,-4 0 0,9 0 0,-9-6 0,12 5 0,-8-4 0,6 5 0,-13-7 0,12 6 0,-11-5 0,4 6 0,1-6 0,-6 5 0,5-5 0,-6 0 0,-1 5 0,-7-5 0,5 6 0,-6-6 0,1 4 0,5-4 0,-14 6 0,15 0 0,-15-6 0,15 4 0,-7-4 0,1 6 0,5 0 0,-6 0 0,9 0 0,6 0 0,-5 0 0,6 0 0,-8 0 0,1 0 0,6 0 0,-4 0 0,4 0 0,1 0 0,-14 0 0,11 0 0,-12 0 0,7 0 0,-18 0 0,6 0 0,-7-6 0,11 4 0,8-4 0,1 6 0,7 0 0,-6 0 0,5 0 0,-6 0 0,6 0 0,-4 0 0,11 0 0,-5 0 0,8-5 0,-8 3 0,6-3 0,-6 5 0,-11 0 0,14-6 0,-14 5 0,19-10 0,-1 9 0,6-8 0,-4 9 0,4-10 0,0 5 0,-4-7 0,10 2 0,-10-7 0,10 5 0,-4-10 0,-1 10 0,4-10 0,-3 3 0,4-4 0,6-1 0,-4 0 0,4-10 0,0 7 0,-4-8 0,10 12 0,-5-1 0,6-7 0,0 6 0,0-6 0,0 7 0,0 1 0,0 5 0,0-4 0,0 10 0,0-10 0,0 10 0,0-4 0,0 5 0,0 1 0,10-5 0,-3 3 0,9-3 0,-5 10 0,1-4 0,-1 4 0,0-1 0,6 2 0,-5 5 0,5-5 0,-6 4 0,0-4 0,0 5 0,0 0 0,0 0 0,1 0 0,-1 0 0,0-5 0,0-1 0,0 0 0,-6-4 0,5 9 0,-8-9 0,7 4 0,-8-5 0,9 5 0,-9-4 0,4 4 0,0 0 0,-4-4 0,9 4 0,-9-5 0,8 1 0,-7-1 0,8 5 0,-9-4 0,4 4 0,-5-5 0,0 0 0,4 5 0,-2-4 0,2 4 0,-4-5 0,5 5 0,-4-3 0,9 3 0,-5 0 0,1-3 0,3 8 0,-3 5 0,-1-2 0,0 7 0</inkml:trace>
+</inkml:ink>
+</file>
+
+<file path=ppt/ink/ink6.xml><?xml version="1.0" encoding="utf-8"?>
+<inkml:ink xmlns:inkml="http://www.w3.org/2003/InkML">
+  <inkml:definitions>
+    <inkml:context xml:id="ctx0">
+      <inkml:inkSource xml:id="inkSrc0">
+        <inkml:traceFormat>
+          <inkml:channel name="X" type="integer" min="-2.14748E9" max="2.14748E9" units="cm"/>
+          <inkml:channel name="Y" type="integer" min="-2.14748E9" max="2.14748E9" units="cm"/>
+          <inkml:channel name="F" type="integer" max="32767" units="dev"/>
+        </inkml:traceFormat>
+        <inkml:channelProperties>
+          <inkml:channelProperty channel="X" name="resolution" value="1000" units="1/cm"/>
+          <inkml:channelProperty channel="Y" name="resolution" value="1000" units="1/cm"/>
+          <inkml:channelProperty channel="F" name="resolution" value="0" units="1/dev"/>
+        </inkml:channelProperties>
+      </inkml:inkSource>
+      <inkml:timestamp xml:id="ts0" timeString="2023-06-26T21:28:29.003"/>
+    </inkml:context>
+    <inkml:brush xml:id="br0">
+      <inkml:brushProperty name="width" value="0.05" units="cm"/>
+      <inkml:brushProperty name="height" value="0.05" units="cm"/>
+      <inkml:brushProperty name="color" value="#33CCFF"/>
+    </inkml:brush>
+  </inkml:definitions>
+  <inkml:trace contextRef="#ctx0" brushRef="#br0">1 232 24575,'14'0'0,"19"0"0,9 0 0,16 0 0,10 0 0,13 0 0,11 0 0,-17 0 0,10 0 0,-23 0 0,17 0 0,1 0 0,-1 0 0,-9 0 0,7 0 0,4 0 0,-9 0 0,7 0 0,-1 0 0,-15 0 0,25 0 0,-18 0 0,0 0 0,7 0 0,-16 0 0,-2 0 0,-2 0 0,-6 0 0,-1 0 0,-1 0 0,-9 0 0,0 0 0,1 0 0,-1 0 0,-7 0 0,6 0 0,-6 0 0,8 0 0,-8 0 0,-1 0 0,-1 0 0,3 0 0,-1 0 0,5 0 0,-11 0 0,29 0 0,-18 0 0,20 0 0,-17 0 0,7 0 0,-5 0 0,13 0 0,-13 0 0,13 0 0,-13 0 0,13 0 0,-13 0 0,5 0 0,1 0 0,-7 0 0,15 0 0,-7 0 0,9 0 0,0 0 0,-1 0 0,36 0 0,-27 0 0,27 0 0,-36 0 0,1 0 0,0 0 0,-1 0 0,1 0 0,-9 0 0,7 0 0,-14 0 0,13 0 0,-13 0 0,13 0 0,-14 0 0,15 0 0,-6 0 0,-1 0 0,33 6 0,-26-4 0,28 11 0,-35-11 0,6 4 0,-5 1 0,0-6 0,5 6 0,-13-7 0,13 0 0,-13 0 0,13 0 0,-13 0 0,5 0 0,1 0 0,-7 0 0,7 0 0,-1 0 0,-6 0 0,15 6 0,12-4 0,-6 11 0,13-12 0,-17 6 0,0-7 0,-9 6 0,7-5 0,-7 5 0,9-6 0,0 7 0,-9-5 0,7 4 0,-7-6 0,1 0 0,-3 0 0,-7 0 0,7 0 0,-5 0 0,23 6 0,-13-4 0,7 3 0,-4-5 0,-13 0 0,14 0 0,-15 0 0,6 0 0,1 7 0,-7-5 0,15 4 0,-15-6 0,15 0 0,-6 0 0,-1 0 0,7 0 0,-7 0 0,9 0 0,0 0 0,-9 0 0,7 0 0,-7 0 0,1 6 0,6-4 0,-7 4 0,9-6 0,0 0 0,-1 0 0,10 0 0,-7 6 0,7-4 0,-9 4 0,-1-6 0,1 0 0,-8 0 0,5 0 0,-5 0 0,-1 0 0,7 0 0,-15 0 0,7 0 0,-1 0 0,21 0 0,-14 0 0,20 0 0,-25 0 0,9 0 0,-1 0 0,1 0 0,0 7 0,0-6 0,-9 6 0,7-7 0,-7 0 0,9 6 0,-9-4 0,7 4 0,-6-6 0,-1 0 0,7 0 0,20 0 0,-12 0 0,19 0 0,-25 0 0,9 0 0,-7 0 0,6 0 0,-8 7 0,-1-5 0,1 4 0,0-6 0,-9 0 0,7 0 0,-6 0 0,-1 0 0,7 0 0,-15 0 0,15 0 0,11 0 0,-13 0 0,20 0 0,-25 0 0,9 0 0,0 0 0,0 0 0,-1 0 0,10 0 0,2 0 0,0 0 0,7 0 0,-16 0 0,16 0 0,-16 0 0,7 0 0,-9 0 0,-1 0 0,10 0 0,-7 0 0,33 0 0,-29 0 0,20 0 0,-26 0 0,9 0 0,-7 0 0,7 0 0,-1 0 0,-6 0 0,16 0 0,-16 0 0,17 0 0,-17 0 0,6 0 0,-8 0 0,0 0 0,-1 0 0,1 0 0,0 0 0,0 0 0,35 0 0,-27 0 0,-16 0 0,1 0 0,18 0 0,10 0 0,-1 0 0,11 0 0,-8 0 0,7 0 0,-9 0-532,9 0 532,-7 0 0,8 0 0,-11 0 0,1 0 0,-24 0 0,1 0 0,21 0 0,-19 0 0,3 0 0,3 0 0,-2 0 0,-6 0 0,0 0 0,12 0 0,0 0 0,30 0 0,-6 0 0,-1 0 0,-3 0 0,-9 0 0,-1 0 0,0 0 0,11 0 0,-8 0 0,7 0 0,1 0 0,2 0 0,-41 0 0,0 0 0,42 0 0,6 0 0,-17 0 0,18 0 0,-41 3 0,-1 1 0,41-2 0,-36 2 0,-1-1 0,10-3 0,16 0 0,-18 0 0,9 0 0,11 7 0,-8-5 0,8 6 0,-1-8 0,-7 0 0,8 0 0,-11 0 0,-9 0 0,7 0 0,-16 0 0,7 0 0,16 0 0,-18 0 0,18 0 0,-25 0 0,-1 0 0,-7 0 0,5 0 532,-5 0-532,8 0 0,-1 0 0,-7 0 0,5 0 0,-13 0 0,14 0 0,-15 0 0,6 0 0,-7 0 0,-1 0 0,1 0 0,-1 0 0,18 0 0,-5 0 0,7 0 0,-11-6 0,-1-2 0,3-7 0,7 1 0,1-1 0,9 0 0,-7 0 0,7-1 0,-9 2 0,8-2 0,-6 1 0,7 7 0,-1-5 0,-15 6 0,13 0 0,-23-6 0,7 6 0,-9-1 0,0-4 0,1 11 0,-1-5 0,-7 6 0,6-6 0,-13 4 0,13-4 0,-6 6 0,0 0 0,6 0 0,-6 0 0,8 0 0,-8 0 0,5 0 0,-4 0 0,6 0 0,1 0 0,17 0 0,-13 0 0,13 0 0,-18 0 0,1 0 0,-1 0 0,9 0 0,-7 0 0,15 0 0,-15 0 0,6 0 0,-7 0 0,-1 0 0,-6 0 0,4 0 0,-5 0 0,0 0 0,6 0 0,5 0 0,-1 0 0,2 0 0,-7 0 0,-17 0 0,9 0 0,-12-5 0,7-2 0,-7-5 0,5-6 0,-10 6 0,10-6 0,-11 6 0,6-5 0,-1 3 0,-4-3 0,5-1 0,-7 6 0,1-6 0,-1 7 0,5-5 0,-4 8 0,-1 3 0,-6 11 0,-5 4 0,0 1 0,0 6 0,0-4 0,0 4 0,0 0 0,0-4 0,0 4 0,0 0 0,0 1 0,0 7 0,0-6 0,0-2 0,0 0 0,0 1 0,0 1 0,0-2 0,0-6 0,0 0 0,0 0 0,0-5 0,0-2 0</inkml:trace>
+</inkml:ink>
+</file>
+
+<file path=ppt/ink/ink7.xml><?xml version="1.0" encoding="utf-8"?>
+<inkml:ink xmlns:inkml="http://www.w3.org/2003/InkML">
+  <inkml:definitions>
+    <inkml:context xml:id="ctx0">
+      <inkml:inkSource xml:id="inkSrc0">
+        <inkml:traceFormat>
+          <inkml:channel name="X" type="integer" min="-2.14748E9" max="2.14748E9" units="cm"/>
+          <inkml:channel name="Y" type="integer" min="-2.14748E9" max="2.14748E9" units="cm"/>
+          <inkml:channel name="F" type="integer" max="32767" units="dev"/>
+        </inkml:traceFormat>
+        <inkml:channelProperties>
+          <inkml:channelProperty channel="X" name="resolution" value="1000" units="1/cm"/>
+          <inkml:channelProperty channel="Y" name="resolution" value="1000" units="1/cm"/>
+          <inkml:channelProperty channel="F" name="resolution" value="0" units="1/dev"/>
+        </inkml:channelProperties>
+      </inkml:inkSource>
+      <inkml:timestamp xml:id="ts0" timeString="2023-06-26T21:28:35.014"/>
+    </inkml:context>
+    <inkml:brush xml:id="br0">
+      <inkml:brushProperty name="width" value="0.05" units="cm"/>
+      <inkml:brushProperty name="height" value="0.05" units="cm"/>
+      <inkml:brushProperty name="color" value="#33CCFF"/>
+    </inkml:brush>
+  </inkml:definitions>
+  <inkml:trace contextRef="#ctx0" brushRef="#br0">17513 1033 24575,'4'-6'0,"8"1"0,6 5 0,7 0 0,15 0 0,-5 0 0,22 0 0,-15 0 0,7 0 0,8 0 0,-4 0 0,15 0 0,-9 0 0,-1 7 0,1-6 0,-1 12 0,1-11 0,0 11 0,-1-12 0,1 6 0,0-1 0,-9-4 0,7 4 0,-15-6 0,6 0 0,-7 0 0,-1 0 0,-7 0 0,5 0 0,-11 0 0,22 0 0,-20 0 0,13 0 0,-17 0 0,-1 0 0,1 0 0,-1 0 0,1 0 0,-1 0 0,1 0 0,-1 0 0,-5-5 0,4-1 0,-10-12 0,4 5 0,-5-10 0,6 10 0,-5-11 0,4 11 0,-4-10 0,3-1 0,-3 4 0,4-2 0,-6 11 0,-5-1 0,4-5 0,-8 4 0,8-4 0,-9 6 0,9 0 0,-9-1 0,4 1 0,-5 0 0,5 0 0,-4 0 0,4 0 0,-5 0 0,0-1 0,0 1 0,0 0 0,0 0 0,0 0 0,0 0 0,0 0 0,0 0 0,0 0 0,0 0 0,-5 0 0,-1 4 0,0-3 0,-4 4 0,4-5 0,-5 0 0,-1 0 0,0-7 0,1 6 0,-1-6 0,1 7 0,0 0 0,-1-7 0,1 6 0,-1-6 0,1 7 0,-1 0 0,-5 5 0,4-4 0,-4 3 0,0-4 0,4-1 0,-4 5 0,0-3 0,4 9 0,-4-10 0,-1 10 0,1-9 0,-7 9 0,6-4 0,1 5 0,0 0 0,4 0 0,-10 0 0,10 0 0,-10 0 0,10 0 0,-10 0 0,4 0 0,-4 0 0,-2 0 0,-5 0 0,4-6 0,-6 5 0,0-5 0,6 1 0,-6 3 0,7-3 0,-7-1 0,12-1 0,-10 0 0,11-4 0,-6 5 0,1-1 0,-1-4 0,6 4 0,-4-5 0,10 6 0,-10-5 0,10 4 0,-10 0 0,10 2 0,-10 0 0,10 4 0,-10-11 0,4 11 0,1-4 0,-11 0 0,9 3 0,-3-3 0,-1 5 0,6 0 0,-1 0 0,-4-5 0,4 3 0,-6-3 0,1 5 0,-1 0 0,0 0 0,-6 0 0,4 0 0,-5 0 0,1 0 0,4 0 0,-5 0 0,-10 0 0,12 0 0,-12 0 0,10 0 0,5 0 0,-4 0 0,6 0 0,0 0 0,1 0 0,-1 0 0,-7 0 0,6-6 0,-6 5 0,7-5 0,1 6 0,-8 0 0,5 0 0,-4 0 0,6 0 0,0 0 0,-11 0 0,9 0 0,-9 0 0,12-5 0,-1 3 0,0-3 0,0 5 0,1 0 0,-1 0 0,0 0 0,1 0 0,-1 0 0,0 0 0,1 0 0,-1 0 0,0 0 0,0 0 0,1 0 0,-6 0 0,4 0 0,-4 0 0,11 0 0,-4 0 0,10 0 0,-10 0 0,4 0 0,1 0 0,-5 0 0,4 0 0,-6 0 0,0 0 0,1 0 0,-8 0 0,6 0 0,-6 0 0,7 0 0,-6 0 0,4 0 0,-23 0 0,14 0 0,-8 0 0,5 0 0,12 0 0,-11 0 0,4 0 0,-6 0 0,-1 0 0,1 0 0,0 0 0,-1 0 0,1 0 0,0 0 0,6 0 0,-5 0 0,6 0 0,-7 0 0,6 0 0,-5 0 0,-5 0 0,8 0 0,-14 0 0,16 0 0,1 0 0,-6 0 0,6 0 0,-1 0 0,-5 0 0,6 0 0,-8 0 0,8 0 0,-6 0 0,6 0 0,-16 0 0,6 0 0,-5 0 0,-1-7 0,-11 6 0,-2-6 0,2 7 0,3 0 0,14 0 0,-5 0 0,-1-6 0,7 4 0,-7-5 0,0 7 0,7 0 0,-15 0 0,15 0 0,-15 0 0,14 0 0,-14 0 0,-20 0 0,21 0 0,-27-6 0,32 4 0,1-4 0,-7 6 0,6 0 0,1 0 0,-7 0 0,6 0 0,1 0 0,-7 0 0,15 0 0,-15 0 0,7 0 0,-9 0 0,1-7 0,7 5 0,-6-4 0,6 6 0,-7-7 0,-1 6 0,-18-12 0,14 11 0,-6-4 0,12 6 0,15 0 0,-15 0 0,14 0 0,-5 0 0,7 0 0,1 0 0,-1 0 0,1 0 0,-1 0 0,-8 0 0,7 0 0,-15 0 0,6 0 0,-8 0 0,9 0 0,-7 0 0,-29 0 0,18 0 0,-26 0 0,35 0 0,0 0 0,0 0 0,0 0 0,1 0 0,-1 0 0,8 0 0,-6 0 0,15 0 0,-7 0 0,0 0 0,7 0 0,-15 0 0,6 0 0,-8 0 0,-18 0 0,14 0 0,-14 0 0,9 0 0,7 0 0,-7 0 0,9 0 0,1 0 0,-1 0 0,0 7 0,8 0 0,-6 1 0,15 4 0,-15-10 0,15 9 0,-15-9 0,7 10 0,0-10 0,-7 4 0,7-6 0,-35 7 0,19 1 0,-19 0 0,27-2 0,-1 1 0,0-6 0,0 6 0,0-1 0,1-4 0,-1 5 0,0-7 0,0 0 0,0 6 0,0-4 0,1 4 0,-1 1 0,0-6 0,0 12 0,-26-11 0,20 4 0,-20-6 0,17 0 0,7 0 0,-7 0 0,17 0 0,-6 0 0,15 6 0,-15-4 0,15 4 0,-15-6 0,14 0 0,-14 0 0,15 0 0,-15 0 0,15 0 0,-15 0 0,14 0 0,-14 0 0,-11 0 0,4 0 0,-5 0 0,13 0 0,5 0 0,-7 0 0,-1 0 0,8 0 0,-5 0 0,5 0 0,0 0 0,-6 0 0,7 0 0,-1 0 0,3 0 0,0 0 0,5 0 0,-14 0 0,-12 0 0,6 0 0,-13 0 0,25 0 0,-5 0 0,5 0 0,-8 0 0,8 0 0,-5 0 0,6 6 0,-9-4 0,9 4 0,-7-6 0,14 0 0,-5 0 0,-1 0 0,6 0 0,-5 0 0,7 0 0,1 0 0,-27 7 0,20-5 0,-20 10 0,18-10 0,7 4 0,-7-1 0,1-3 0,5 4 0,-14-6 0,15 0 0,-15 0 0,6 0 0,1 0 0,-7 0 0,15 0 0,-15 0 0,14 0 0,-14 0 0,-3 0 0,-1 0 0,0 0 0,12 6 0,9-5 0,-1 5 0,-7 1 0,5-5 0,-5 4 0,7 0 0,1-4 0,-9 10 0,6-10 0,-5 4 0,7-6 0,-7 7 0,5-6 0,-13 6 0,13-7 0,-14 0 0,-12 0 0,14 0 0,-20 0 0,33 0 0,-7 0 0,-7 0 0,19 0 0,-26 0 0,20 0 0,-8 0 0,2 0 0,9 0 0,-1 0 0,1 0 0,-1 0 0,1 0 0,-1 0 0,1 0 0,6 0 0,-5 0 0,6 0 0,-8 0 0,1 0 0,-1 0 0,8 0 0,-6 0 0,6 0 0,-8 0 0,1 0 0,6 0 0,-4 0 0,11 0 0,-11 0 0,11 0 0,-5 0 0,8 0 0,-1 0 0,0 0 0,-10 0 0,7 0 0,-7 5 0,16-3 0,-4 3 0,10 0 0,-4-4 0,-1 10 0,6-10 0,-5 4 0,5-5 0,-5 0 0,5 5 0,-6-3 0,1 3 0,4-5 0,-10 0 0,4 0 0,-10 0 0,3 0 0,2 0 0,1 0 0,4 0 0,0 0 0,-4 0 0,10 0 0,-10 0 0,5 0 0,-7 0 0,6 0 0,-4 0 0,4 0 0,-6 0 0,7 0 0,-5 0 0,4 0 0,-6 0 0,0 0 0,-10 0 0,7 0 0,-7 0 0,10 0 0,0 0 0,1 0 0,-1 0 0,-7 0 0,6 0 0,-6 0 0,7 0 0,1 0 0,-1 0 0,0 0 0,1 0 0,-1 0 0,-7 0 0,6 0 0,-6 0 0,0 0 0,-5 0 0,-5 0 0,5 0 0,5 0 0,8 0 0,-8 0 0,5 0 0,-4 0 0,12 0 0,-4 0 0,4 0 0,0 0 0,2 0 0,6 0 0,0 0 0,-1 0 0,11 0 0,-3 0 0,8 0 0</inkml:trace>
+</inkml:ink>
+</file>
+
+<file path=ppt/ink/ink8.xml><?xml version="1.0" encoding="utf-8"?>
+<inkml:ink xmlns:inkml="http://www.w3.org/2003/InkML">
+  <inkml:definitions>
+    <inkml:context xml:id="ctx0">
+      <inkml:inkSource xml:id="inkSrc0">
+        <inkml:traceFormat>
+          <inkml:channel name="X" type="integer" min="-2.14748E9" max="2.14748E9" units="cm"/>
+          <inkml:channel name="Y" type="integer" min="-2.14748E9" max="2.14748E9" units="cm"/>
+          <inkml:channel name="F" type="integer" max="32767" units="dev"/>
+        </inkml:traceFormat>
+        <inkml:channelProperties>
+          <inkml:channelProperty channel="X" name="resolution" value="1000" units="1/cm"/>
+          <inkml:channelProperty channel="Y" name="resolution" value="1000" units="1/cm"/>
+          <inkml:channelProperty channel="F" name="resolution" value="0" units="1/dev"/>
+        </inkml:channelProperties>
+      </inkml:inkSource>
+      <inkml:timestamp xml:id="ts0" timeString="2023-06-26T21:28:37.910"/>
+    </inkml:context>
+    <inkml:brush xml:id="br0">
+      <inkml:brushProperty name="width" value="0.05" units="cm"/>
+      <inkml:brushProperty name="height" value="0.05" units="cm"/>
+      <inkml:brushProperty name="color" value="#33CCFF"/>
+    </inkml:brush>
+  </inkml:definitions>
+  <inkml:trace contextRef="#ctx0" brushRef="#br0">5378 222 24575,'-17'0'0,"-11"0"0,1 0 0,-7 0 0,-5 0 0,-2 0 0,-2 0 0,-5 0 0,7 0 0,-8 0 0,7 0 0,-15 0 0,6 0 0,-8 0 0,1 0 0,7 0 0,-6 0 0,14 0 0,-13 0 0,13 0 0,-5 0 0,7 0 0,1 0 0,-1 0 0,8 0 0,-6 0 0,5 0 0,1 0 0,1-6 0,1 5 0,4-5 0,-5 6 0,8 0 0,-8-6 0,6 5 0,-6-6 0,7 7 0,1 0 0,-1 0 0,0 0 0,0 0 0,1 0 0,-1-5 0,0 4 0,0-5 0,1 6 0,-19-6 0,14 5 0,-21-4 0,17 5 0,-1 0 0,-4 0 0,11 0 0,-12-6 0,13 4 0,-6-4 0,0 6 0,6 0 0,-6 0 0,0 0 0,6 0 0,-6 0 0,7 0 0,-6 0 0,-7 0 0,-3 0 0,3 0 0,0 0 0,11-6 0,-12 5 0,6-5 0,-8 0 0,8 5 0,-6-5 0,6 6 0,-8 0 0,1 0 0,-1 0 0,0 0 0,8 0 0,-6 0 0,6 0 0,-1-6 0,-5 5 0,-5-10 0,1 4 0,-2 0 0,7-6 0,4 12 0,1-11 0,-6 11 0,13-5 0,-6 6 0,7 0 0,1 0 0,5 0 0,-4 0 0,4 0 0,-6 0 0,7 0 0,-6-5 0,6 4 0,-18-11 0,9 11 0,-9-4 0,11 5 0,0 0 0,-6 0 0,4 0 0,-5 0 0,8 0 0,-1 0 0,0 0 0,1 0 0,-8 0 0,5 0 0,-4 0 0,6 0 0,-7 0 0,6 0 0,-13 0 0,13 0 0,-24 0 0,14 0 0,-9 0 0,7 0 0,4 0 0,1 0 0,-6 0 0,12 0 0,-11 0 0,4 0 0,-6 0 0,-1 0 0,7 0 0,-4-6 0,4 4 0,-6-4 0,-1 0 0,1 4 0,-1-4 0,8 6 0,-24-6 0,26 5 0,-19-5 0,18 6 0,6 0 0,0 0 0,3 0 0,10 0 0,-4 0 0,0 0 0,4 0 0,-4 0 0,5 5 0,1-4 0,5 9 0,-4-4 0,4 5 0,-6 0 0,-4 5 0,3-4 0,2 4 0,1-5 0,4 0 0,0 0 0,-4 0 0,3 0 0,1 0 0,-4 0 0,4 0 0,0 1 0,-4-1 0,8 0 0,-8 0 0,9 0 0,-4 0 0,5-1 0,0 2 0,0-1 0,0 0 0,0 0 0,0 0 0,0 0 0,0 0 0,0 0 0,0 0 0,0 0 0,0 1 0,0-1 0,0 0 0,0 0 0,0 0 0,0 0 0,0-1 0,0 1 0,0 0 0,5 0 0,-4 0 0,9-1 0,-9 1 0,8 0 0,-8 0 0,4 0 0,0-5 0,-4 4 0,9-4 0,-9 5 0,9 0 0,-9 0 0,9 0 0,-9 0 0,9 0 0,-9 0 0,9 0 0,-9 0 0,9 1 0,-8-1 0,7 0 0,-2 0 0,-1 0 0,4 0 0,-9 0 0,9 0 0,-9 0 0,9 0 0,-9 0 0,4 0 0,0 1 0,-4-1 0,9 0 0,-9 0 0,9 0 0,-9 0 0,9 0 0,-4 0 0,1 0 0,2 0 0,-3 0 0,0 0 0,4 0 0,-4 0 0,5-5 0,-5 4 0,4-4 0,-4 1 0,5 2 0,0-3 0,0 0 0,-5 4 0,4-4 0,-4 0 0,5 4 0,0-9 0,-1 4 0,1-5 0,-5 0 0,-1 0 0</inkml:trace>
+</inkml:ink>
+</file>
+
 <file path=ppt/notesMasters/notesMaster1.xml><?xml version="1.0" encoding="utf-8"?>
 <p:notesMaster xmlns:a="http://schemas.openxmlformats.org/drawingml/2006/main" xmlns:r="http://schemas.openxmlformats.org/officeDocument/2006/relationships" xmlns:p="http://schemas.openxmlformats.org/presentationml/2006/main">
   <p:cSld>
@@ -1951,15 +2063,6 @@
           <a:p>
             <a:r>
               <a:rPr lang="en-US" dirty="0"/>
-              <a:t>We improve the prompt iteratively from the errors we got, and finally developed a high-quality prompt.</a:t>
-            </a:r>
-          </a:p>
-          <a:p>
-            <a:endParaRPr lang="en-US" dirty="0"/>
-          </a:p>
-          <a:p>
-            <a:r>
-              <a:rPr lang="en-US" dirty="0"/>
               <a:t>For this prompt we applied technique similar to chain-of-thought prompting, we let model think step by step, </a:t>
             </a:r>
           </a:p>
@@ -1973,15 +2076,6 @@
             <a:r>
               <a:rPr lang="en-US" dirty="0"/>
               <a:t>And we let it hide the intermediate result and allow batch processing to reduce the cost.</a:t>
-            </a:r>
-          </a:p>
-          <a:p>
-            <a:endParaRPr lang="en-US" dirty="0"/>
-          </a:p>
-          <a:p>
-            <a:r>
-              <a:rPr lang="en-US" dirty="0"/>
-              <a:t>It can get correct rewrite</a:t>
             </a:r>
           </a:p>
         </p:txBody>
@@ -3145,7 +3239,10 @@
           <a:bodyPr/>
           <a:lstStyle/>
           <a:p>
-            <a:endParaRPr lang="en-US" dirty="0"/>
+            <a:r>
+              <a:rPr lang="en-US" dirty="0"/>
+              <a:t>The model shows 90% token level prediction accuracy after fine-tuning, it is a sensible result.</a:t>
+            </a:r>
           </a:p>
         </p:txBody>
       </p:sp>
@@ -3422,7 +3519,7 @@
             </a:pPr>
             <a:r>
               <a:rPr lang="en-US" dirty="0"/>
-              <a:t>For emotional support, the emotional information about users is important to know.</a:t>
+              <a:t>For emotional support, we know the emotional information about users is important to know.</a:t>
             </a:r>
             <a:r>
               <a:rPr lang="en-GB" sz="1200" dirty="0"/>
@@ -3957,7 +4054,7 @@
             </a:pPr>
             <a:r>
               <a:rPr lang="en-US" dirty="0"/>
-              <a:t>As we know the stronger emotion user has to an event, the longer time the user will remember the event. And this event might be important to understand to response to users.</a:t>
+              <a:t>As we know the stronger emotion a person has to an event, the longer time the person will remember the event. And this event might be important to understand to response to the person.</a:t>
             </a:r>
           </a:p>
           <a:p>
@@ -4026,7 +4123,7 @@
             </a:pPr>
             <a:r>
               <a:rPr lang="en-US" dirty="0"/>
-              <a:t>So the retention depends on the time elapsed since a knowledge is learnt, its decay rate depends on the knowledge's emotional intensity</a:t>
+              <a:t>So the retention depends on the time elapsed since last time a knowledge is learnt, its decay rate depends on the knowledge's emotional intensity</a:t>
             </a:r>
           </a:p>
         </p:txBody>
@@ -4586,7 +4683,7 @@
           <a:p>
             <a:r>
               <a:rPr lang="en-US" dirty="0"/>
-              <a:t>In retrieval process, we not only retrieve those knowledge that are semantic similar to the current utterance, but also retrieve those knowledge that are less similar in semantic, but with mentioned of the user name.</a:t>
+              <a:t>In retrieval process, we not only retrieve those knowledge that are semantic similar to the current utterance, but also retrieve those knowledge that are less similar in semantic, but with mentioned of the person name.</a:t>
             </a:r>
           </a:p>
           <a:p>
@@ -4685,7 +4782,7 @@
           <a:p>
             <a:r>
               <a:rPr lang="en-US" dirty="0"/>
-              <a:t>For Chatbot A, we give it past 8 turns utterances, to provide short-term context to generated response. We also give it a knowledge prompt for it to related to past knowledge. When users mention earlier session’s information, the performance of the response depends on the performance the memory system, the knowledge prompt.</a:t>
+              <a:t>For Chatbot A, we give it past 8 turns utterances, to provide short-term context. We also give it a knowledge prompt for it to related to past knowledge. When users mention earlier session’s information, the performance of the response depends on the performance the memory system, </a:t>
             </a:r>
           </a:p>
           <a:p>
@@ -9811,7 +9908,7 @@
 </file>
 
 <file path=ppt/slides/slide12.xml><?xml version="1.0" encoding="utf-8"?>
-<p:sld xmlns:a="http://schemas.openxmlformats.org/drawingml/2006/main" xmlns:r="http://schemas.openxmlformats.org/officeDocument/2006/relationships" xmlns:p="http://schemas.openxmlformats.org/presentationml/2006/main">
+<p:sld xmlns:a="http://schemas.openxmlformats.org/drawingml/2006/main" xmlns:r="http://schemas.openxmlformats.org/officeDocument/2006/relationships" xmlns:p="http://schemas.openxmlformats.org/presentationml/2006/main" show="0">
   <p:cSld>
     <p:spTree>
       <p:nvGrpSpPr>
@@ -12455,7 +12552,7 @@
         </p:nvSpPr>
         <p:spPr>
           <a:xfrm>
-            <a:off x="1178731" y="3776656"/>
+            <a:off x="1147734" y="3523180"/>
             <a:ext cx="8422242" cy="461665"/>
           </a:xfrm>
           <a:prstGeom prst="rect">
@@ -12527,6 +12624,279 @@
           </p:pic>
         </mc:Fallback>
       </mc:AlternateContent>
+      <p:sp>
+        <p:nvSpPr>
+          <p:cNvPr id="3" name="TextBox 2">
+            <a:extLst>
+              <a:ext uri="{FF2B5EF4-FFF2-40B4-BE49-F238E27FC236}">
+                <a16:creationId xmlns:a16="http://schemas.microsoft.com/office/drawing/2014/main" id="{8782FE67-B5E3-AABE-D207-A94BCC667C57}"/>
+              </a:ext>
+            </a:extLst>
+          </p:cNvPr>
+          <p:cNvSpPr txBox="1"/>
+          <p:nvPr/>
+        </p:nvSpPr>
+        <p:spPr>
+          <a:xfrm>
+            <a:off x="1581686" y="4705648"/>
+            <a:ext cx="9028625" cy="830997"/>
+          </a:xfrm>
+          <a:prstGeom prst="rect">
+            <a:avLst/>
+          </a:prstGeom>
+          <a:noFill/>
+        </p:spPr>
+        <p:txBody>
+          <a:bodyPr wrap="none" rtlCol="0">
+            <a:spAutoFit/>
+          </a:bodyPr>
+          <a:lstStyle/>
+          <a:p>
+            <a:r>
+              <a:rPr lang="en-GB" sz="2400" i="1" dirty="0">
+                <a:effectLst/>
+                <a:latin typeface="SFRM1095"/>
+              </a:rPr>
+              <a:t>William is making spaghetti. Olivia will buy fresh tomatoes for William. </a:t>
+            </a:r>
+          </a:p>
+          <a:p>
+            <a:r>
+              <a:rPr lang="en-GB" sz="2400" i="1" dirty="0">
+                <a:effectLst/>
+                <a:latin typeface="SFRM1095"/>
+              </a:rPr>
+              <a:t>William also wants to organise a board games night for his colleagues. </a:t>
+            </a:r>
+            <a:endParaRPr lang="en-GB" sz="2400" i="1" dirty="0"/>
+          </a:p>
+        </p:txBody>
+      </p:sp>
+      <mc:AlternateContent xmlns:mc="http://schemas.openxmlformats.org/markup-compatibility/2006">
+        <mc:Choice xmlns:p14="http://schemas.microsoft.com/office/powerpoint/2010/main" Requires="p14">
+          <p:contentPart p14:bwMode="auto" r:id="rId5">
+            <p14:nvContentPartPr>
+              <p14:cNvPr id="10" name="Ink 9">
+                <a:extLst>
+                  <a:ext uri="{FF2B5EF4-FFF2-40B4-BE49-F238E27FC236}">
+                    <a16:creationId xmlns:a16="http://schemas.microsoft.com/office/drawing/2014/main" id="{BECEB702-DEA5-3BA4-32C2-263B764CA752}"/>
+                  </a:ext>
+                </a:extLst>
+              </p14:cNvPr>
+              <p14:cNvContentPartPr/>
+              <p14:nvPr/>
+            </p14:nvContentPartPr>
+            <p14:xfrm>
+              <a:off x="1563388" y="4617982"/>
+              <a:ext cx="8890560" cy="606240"/>
+            </p14:xfrm>
+          </p:contentPart>
+        </mc:Choice>
+        <mc:Fallback>
+          <p:pic>
+            <p:nvPicPr>
+              <p:cNvPr id="10" name="Ink 9">
+                <a:extLst>
+                  <a:ext uri="{FF2B5EF4-FFF2-40B4-BE49-F238E27FC236}">
+                    <a16:creationId xmlns:a16="http://schemas.microsoft.com/office/drawing/2014/main" id="{BECEB702-DEA5-3BA4-32C2-263B764CA752}"/>
+                  </a:ext>
+                </a:extLst>
+              </p:cNvPr>
+              <p:cNvPicPr/>
+              <p:nvPr/>
+            </p:nvPicPr>
+            <p:blipFill>
+              <a:blip r:embed="rId6"/>
+              <a:stretch>
+                <a:fillRect/>
+              </a:stretch>
+            </p:blipFill>
+            <p:spPr>
+              <a:xfrm>
+                <a:off x="1554388" y="4609342"/>
+                <a:ext cx="8908200" cy="623880"/>
+              </a:xfrm>
+              <a:prstGeom prst="rect">
+                <a:avLst/>
+              </a:prstGeom>
+            </p:spPr>
+          </p:pic>
+        </mc:Fallback>
+      </mc:AlternateContent>
+      <mc:AlternateContent xmlns:mc="http://schemas.openxmlformats.org/markup-compatibility/2006">
+        <mc:Choice xmlns:p14="http://schemas.microsoft.com/office/powerpoint/2010/main" Requires="p14">
+          <p:contentPart p14:bwMode="auto" r:id="rId7">
+            <p14:nvContentPartPr>
+              <p14:cNvPr id="13" name="Ink 12">
+                <a:extLst>
+                  <a:ext uri="{FF2B5EF4-FFF2-40B4-BE49-F238E27FC236}">
+                    <a16:creationId xmlns:a16="http://schemas.microsoft.com/office/drawing/2014/main" id="{45DF8A39-2F65-F6C3-5A84-827EA9BB0AB6}"/>
+                  </a:ext>
+                </a:extLst>
+              </p14:cNvPr>
+              <p14:cNvContentPartPr/>
+              <p14:nvPr/>
+            </p14:nvContentPartPr>
+            <p14:xfrm>
+              <a:off x="1709908" y="5397382"/>
+              <a:ext cx="8212320" cy="167760"/>
+            </p14:xfrm>
+          </p:contentPart>
+        </mc:Choice>
+        <mc:Fallback>
+          <p:pic>
+            <p:nvPicPr>
+              <p:cNvPr id="13" name="Ink 12">
+                <a:extLst>
+                  <a:ext uri="{FF2B5EF4-FFF2-40B4-BE49-F238E27FC236}">
+                    <a16:creationId xmlns:a16="http://schemas.microsoft.com/office/drawing/2014/main" id="{45DF8A39-2F65-F6C3-5A84-827EA9BB0AB6}"/>
+                  </a:ext>
+                </a:extLst>
+              </p:cNvPr>
+              <p:cNvPicPr/>
+              <p:nvPr/>
+            </p:nvPicPr>
+            <p:blipFill>
+              <a:blip r:embed="rId8"/>
+              <a:stretch>
+                <a:fillRect/>
+              </a:stretch>
+            </p:blipFill>
+            <p:spPr>
+              <a:xfrm>
+                <a:off x="1701268" y="5388742"/>
+                <a:ext cx="8229960" cy="185400"/>
+              </a:xfrm>
+              <a:prstGeom prst="rect">
+                <a:avLst/>
+              </a:prstGeom>
+            </p:spPr>
+          </p:pic>
+        </mc:Fallback>
+      </mc:AlternateContent>
+      <p:grpSp>
+        <p:nvGrpSpPr>
+          <p:cNvPr id="16" name="Group 15">
+            <a:extLst>
+              <a:ext uri="{FF2B5EF4-FFF2-40B4-BE49-F238E27FC236}">
+                <a16:creationId xmlns:a16="http://schemas.microsoft.com/office/drawing/2014/main" id="{CC9C51FE-E809-5D05-E1B2-7BF50D72ACFC}"/>
+              </a:ext>
+            </a:extLst>
+          </p:cNvPr>
+          <p:cNvGrpSpPr/>
+          <p:nvPr/>
+        </p:nvGrpSpPr>
+        <p:grpSpPr>
+          <a:xfrm>
+            <a:off x="1591828" y="5098222"/>
+            <a:ext cx="8924040" cy="422640"/>
+            <a:chOff x="1591828" y="5098222"/>
+            <a:chExt cx="8924040" cy="422640"/>
+          </a:xfrm>
+        </p:grpSpPr>
+        <mc:AlternateContent xmlns:mc="http://schemas.openxmlformats.org/markup-compatibility/2006">
+          <mc:Choice xmlns:p14="http://schemas.microsoft.com/office/powerpoint/2010/main" Requires="p14">
+            <p:contentPart p14:bwMode="auto" r:id="rId9">
+              <p14:nvContentPartPr>
+                <p14:cNvPr id="14" name="Ink 13">
+                  <a:extLst>
+                    <a:ext uri="{FF2B5EF4-FFF2-40B4-BE49-F238E27FC236}">
+                      <a16:creationId xmlns:a16="http://schemas.microsoft.com/office/drawing/2014/main" id="{FFDD7E82-F1AF-7D0A-88FF-2E8BA7604724}"/>
+                    </a:ext>
+                  </a:extLst>
+                </p14:cNvPr>
+                <p14:cNvContentPartPr/>
+                <p14:nvPr/>
+              </p14:nvContentPartPr>
+              <p14:xfrm>
+                <a:off x="3513148" y="5098222"/>
+                <a:ext cx="7002720" cy="389160"/>
+              </p14:xfrm>
+            </p:contentPart>
+          </mc:Choice>
+          <mc:Fallback>
+            <p:pic>
+              <p:nvPicPr>
+                <p:cNvPr id="14" name="Ink 13">
+                  <a:extLst>
+                    <a:ext uri="{FF2B5EF4-FFF2-40B4-BE49-F238E27FC236}">
+                      <a16:creationId xmlns:a16="http://schemas.microsoft.com/office/drawing/2014/main" id="{FFDD7E82-F1AF-7D0A-88FF-2E8BA7604724}"/>
+                    </a:ext>
+                  </a:extLst>
+                </p:cNvPr>
+                <p:cNvPicPr/>
+                <p:nvPr/>
+              </p:nvPicPr>
+              <p:blipFill>
+                <a:blip r:embed="rId10"/>
+                <a:stretch>
+                  <a:fillRect/>
+                </a:stretch>
+              </p:blipFill>
+              <p:spPr>
+                <a:xfrm>
+                  <a:off x="3504508" y="5089222"/>
+                  <a:ext cx="7020360" cy="406800"/>
+                </a:xfrm>
+                <a:prstGeom prst="rect">
+                  <a:avLst/>
+                </a:prstGeom>
+              </p:spPr>
+            </p:pic>
+          </mc:Fallback>
+        </mc:AlternateContent>
+        <mc:AlternateContent xmlns:mc="http://schemas.openxmlformats.org/markup-compatibility/2006">
+          <mc:Choice xmlns:p14="http://schemas.microsoft.com/office/powerpoint/2010/main" Requires="p14">
+            <p:contentPart p14:bwMode="auto" r:id="rId11">
+              <p14:nvContentPartPr>
+                <p14:cNvPr id="15" name="Ink 14">
+                  <a:extLst>
+                    <a:ext uri="{FF2B5EF4-FFF2-40B4-BE49-F238E27FC236}">
+                      <a16:creationId xmlns:a16="http://schemas.microsoft.com/office/drawing/2014/main" id="{2C8AA1E6-86B9-3C21-AD6B-725A866868CA}"/>
+                    </a:ext>
+                  </a:extLst>
+                </p14:cNvPr>
+                <p14:cNvContentPartPr/>
+                <p14:nvPr/>
+              </p14:nvContentPartPr>
+              <p14:xfrm>
+                <a:off x="1591828" y="5147542"/>
+                <a:ext cx="1936080" cy="373320"/>
+              </p14:xfrm>
+            </p:contentPart>
+          </mc:Choice>
+          <mc:Fallback>
+            <p:pic>
+              <p:nvPicPr>
+                <p:cNvPr id="15" name="Ink 14">
+                  <a:extLst>
+                    <a:ext uri="{FF2B5EF4-FFF2-40B4-BE49-F238E27FC236}">
+                      <a16:creationId xmlns:a16="http://schemas.microsoft.com/office/drawing/2014/main" id="{2C8AA1E6-86B9-3C21-AD6B-725A866868CA}"/>
+                    </a:ext>
+                  </a:extLst>
+                </p:cNvPr>
+                <p:cNvPicPr/>
+                <p:nvPr/>
+              </p:nvPicPr>
+              <p:blipFill>
+                <a:blip r:embed="rId12"/>
+                <a:stretch>
+                  <a:fillRect/>
+                </a:stretch>
+              </p:blipFill>
+              <p:spPr>
+                <a:xfrm>
+                  <a:off x="1582828" y="5138902"/>
+                  <a:ext cx="1953720" cy="390960"/>
+                </a:xfrm>
+                <a:prstGeom prst="rect">
+                  <a:avLst/>
+                </a:prstGeom>
+              </p:spPr>
+            </p:pic>
+          </mc:Fallback>
+        </mc:AlternateContent>
+      </p:grpSp>
     </p:spTree>
     <p:extLst>
       <p:ext uri="{BB962C8B-B14F-4D97-AF65-F5344CB8AC3E}">
@@ -13806,7 +14176,7 @@
         <p:spPr>
           <a:xfrm>
             <a:off x="636104" y="1930812"/>
-            <a:ext cx="2144305" cy="369332"/>
+            <a:ext cx="2303836" cy="400110"/>
           </a:xfrm>
           <a:prstGeom prst="rect">
             <a:avLst/>
@@ -13820,7 +14190,7 @@
           <a:lstStyle/>
           <a:p>
             <a:r>
-              <a:rPr lang="en-US" dirty="0"/>
+              <a:rPr lang="en-US" sz="2000" dirty="0"/>
               <a:t>Token level accuracy</a:t>
             </a:r>
           </a:p>
